--- a/ppt 16-9/0390.有一位神.pptx
+++ b/ppt 16-9/0390.有一位神.pptx
@@ -5,7 +5,7 @@
     <p:sldMasterId id="2147483648" r:id="rId1"/>
   </p:sldMasterIdLst>
   <p:sldIdLst>
-    <p:sldId id="3314" r:id="rId2"/>
+    <p:sldId id="3315" r:id="rId2"/>
   </p:sldIdLst>
   <p:sldSz cx="12192000" cy="6858000"/>
   <p:notesSz cx="6858000" cy="9144000"/>
@@ -129,7 +129,7 @@
           <p:cNvPr id="2" name="标题 1">
             <a:extLst>
               <a:ext uri="{FF2B5EF4-FFF2-40B4-BE49-F238E27FC236}">
-                <a16:creationId xmlns:a16="http://schemas.microsoft.com/office/drawing/2014/main" id="{43118C0F-F46F-A9F2-3E96-C3CA77781786}"/>
+                <a16:creationId xmlns:a16="http://schemas.microsoft.com/office/drawing/2014/main" id="{112A82E9-E8C1-EC24-24EB-75C0E499B040}"/>
               </a:ext>
             </a:extLst>
           </p:cNvPr>
@@ -166,7 +166,7 @@
           <p:cNvPr id="3" name="副标题 2">
             <a:extLst>
               <a:ext uri="{FF2B5EF4-FFF2-40B4-BE49-F238E27FC236}">
-                <a16:creationId xmlns:a16="http://schemas.microsoft.com/office/drawing/2014/main" id="{F5D7BC9E-B7CF-78F0-C7E5-B61482FD8A25}"/>
+                <a16:creationId xmlns:a16="http://schemas.microsoft.com/office/drawing/2014/main" id="{81637CB8-CA20-42F0-A71E-7DDD229853BF}"/>
               </a:ext>
             </a:extLst>
           </p:cNvPr>
@@ -236,7 +236,7 @@
           <p:cNvPr id="4" name="日期占位符 3">
             <a:extLst>
               <a:ext uri="{FF2B5EF4-FFF2-40B4-BE49-F238E27FC236}">
-                <a16:creationId xmlns:a16="http://schemas.microsoft.com/office/drawing/2014/main" id="{0120F8AA-4DEA-9184-942C-CDD10B5C043B}"/>
+                <a16:creationId xmlns:a16="http://schemas.microsoft.com/office/drawing/2014/main" id="{F92F4E0D-75D0-EB78-8C66-336F3AA1B538}"/>
               </a:ext>
             </a:extLst>
           </p:cNvPr>
@@ -252,7 +252,7 @@
           <a:bodyPr/>
           <a:lstStyle/>
           <a:p>
-            <a:fld id="{62024609-F574-448C-AA57-C77F8569D097}" type="datetimeFigureOut">
+            <a:fld id="{5312230E-7696-4409-90CC-B45F8968F42D}" type="datetimeFigureOut">
               <a:rPr lang="zh-CN" altLang="en-US" smtClean="0"/>
               <a:t>2024/3/10</a:t>
             </a:fld>
@@ -265,7 +265,7 @@
           <p:cNvPr id="5" name="页脚占位符 4">
             <a:extLst>
               <a:ext uri="{FF2B5EF4-FFF2-40B4-BE49-F238E27FC236}">
-                <a16:creationId xmlns:a16="http://schemas.microsoft.com/office/drawing/2014/main" id="{0B4997F6-3FF5-6A48-9080-6501CDBC89C1}"/>
+                <a16:creationId xmlns:a16="http://schemas.microsoft.com/office/drawing/2014/main" id="{F9E4FA8A-B70E-5A9D-424F-9C12CF9C629F}"/>
               </a:ext>
             </a:extLst>
           </p:cNvPr>
@@ -290,7 +290,7 @@
           <p:cNvPr id="6" name="灯片编号占位符 5">
             <a:extLst>
               <a:ext uri="{FF2B5EF4-FFF2-40B4-BE49-F238E27FC236}">
-                <a16:creationId xmlns:a16="http://schemas.microsoft.com/office/drawing/2014/main" id="{B2E72593-787B-3A60-7AD4-1C276C4E9A95}"/>
+                <a16:creationId xmlns:a16="http://schemas.microsoft.com/office/drawing/2014/main" id="{39C366AD-E89E-5956-FAD0-F76AAA960D9D}"/>
               </a:ext>
             </a:extLst>
           </p:cNvPr>
@@ -306,7 +306,7 @@
           <a:bodyPr/>
           <a:lstStyle/>
           <a:p>
-            <a:fld id="{F81F0EC4-B1BF-4EFB-B07E-1D85548C253B}" type="slidenum">
+            <a:fld id="{656DB192-43F2-4D48-A427-4B59594D3A4D}" type="slidenum">
               <a:rPr lang="zh-CN" altLang="en-US" smtClean="0"/>
               <a:t>‹#›</a:t>
             </a:fld>
@@ -317,7 +317,7 @@
     </p:spTree>
     <p:extLst>
       <p:ext uri="{BB962C8B-B14F-4D97-AF65-F5344CB8AC3E}">
-        <p14:creationId xmlns:p14="http://schemas.microsoft.com/office/powerpoint/2010/main" val="2003311355"/>
+        <p14:creationId xmlns:p14="http://schemas.microsoft.com/office/powerpoint/2010/main" val="450962220"/>
       </p:ext>
     </p:extLst>
   </p:cSld>
@@ -349,7 +349,7 @@
           <p:cNvPr id="2" name="标题 1">
             <a:extLst>
               <a:ext uri="{FF2B5EF4-FFF2-40B4-BE49-F238E27FC236}">
-                <a16:creationId xmlns:a16="http://schemas.microsoft.com/office/drawing/2014/main" id="{22B1D9D7-F0B7-34AA-C61E-3AD383EBD128}"/>
+                <a16:creationId xmlns:a16="http://schemas.microsoft.com/office/drawing/2014/main" id="{1B3CAF73-E463-D13C-4357-06F3DBDA7ABA}"/>
               </a:ext>
             </a:extLst>
           </p:cNvPr>
@@ -377,7 +377,7 @@
           <p:cNvPr id="3" name="竖排文字占位符 2">
             <a:extLst>
               <a:ext uri="{FF2B5EF4-FFF2-40B4-BE49-F238E27FC236}">
-                <a16:creationId xmlns:a16="http://schemas.microsoft.com/office/drawing/2014/main" id="{1C44D951-1A63-4E49-0455-F34F264FEF88}"/>
+                <a16:creationId xmlns:a16="http://schemas.microsoft.com/office/drawing/2014/main" id="{679F2DF2-9353-CE45-BB3B-CDABF4E11A1E}"/>
               </a:ext>
             </a:extLst>
           </p:cNvPr>
@@ -434,7 +434,7 @@
           <p:cNvPr id="4" name="日期占位符 3">
             <a:extLst>
               <a:ext uri="{FF2B5EF4-FFF2-40B4-BE49-F238E27FC236}">
-                <a16:creationId xmlns:a16="http://schemas.microsoft.com/office/drawing/2014/main" id="{BD89D2A7-BA9B-1EB9-BB3B-B0BE6E9D9D4F}"/>
+                <a16:creationId xmlns:a16="http://schemas.microsoft.com/office/drawing/2014/main" id="{CE5695A0-CBD1-651C-C645-D8D814FCDA15}"/>
               </a:ext>
             </a:extLst>
           </p:cNvPr>
@@ -450,7 +450,7 @@
           <a:bodyPr/>
           <a:lstStyle/>
           <a:p>
-            <a:fld id="{62024609-F574-448C-AA57-C77F8569D097}" type="datetimeFigureOut">
+            <a:fld id="{5312230E-7696-4409-90CC-B45F8968F42D}" type="datetimeFigureOut">
               <a:rPr lang="zh-CN" altLang="en-US" smtClean="0"/>
               <a:t>2024/3/10</a:t>
             </a:fld>
@@ -463,7 +463,7 @@
           <p:cNvPr id="5" name="页脚占位符 4">
             <a:extLst>
               <a:ext uri="{FF2B5EF4-FFF2-40B4-BE49-F238E27FC236}">
-                <a16:creationId xmlns:a16="http://schemas.microsoft.com/office/drawing/2014/main" id="{A1AC1FE6-5FF6-46AC-A6FC-0E59026AC35A}"/>
+                <a16:creationId xmlns:a16="http://schemas.microsoft.com/office/drawing/2014/main" id="{1D6FA5E9-D4CA-7B78-C601-5EED73CDA1C0}"/>
               </a:ext>
             </a:extLst>
           </p:cNvPr>
@@ -488,7 +488,7 @@
           <p:cNvPr id="6" name="灯片编号占位符 5">
             <a:extLst>
               <a:ext uri="{FF2B5EF4-FFF2-40B4-BE49-F238E27FC236}">
-                <a16:creationId xmlns:a16="http://schemas.microsoft.com/office/drawing/2014/main" id="{BCD89380-C4A0-ADEF-AC55-35B11CBE370D}"/>
+                <a16:creationId xmlns:a16="http://schemas.microsoft.com/office/drawing/2014/main" id="{BC65FAEB-BC46-8511-A949-BCEED17A95C9}"/>
               </a:ext>
             </a:extLst>
           </p:cNvPr>
@@ -504,7 +504,7 @@
           <a:bodyPr/>
           <a:lstStyle/>
           <a:p>
-            <a:fld id="{F81F0EC4-B1BF-4EFB-B07E-1D85548C253B}" type="slidenum">
+            <a:fld id="{656DB192-43F2-4D48-A427-4B59594D3A4D}" type="slidenum">
               <a:rPr lang="zh-CN" altLang="en-US" smtClean="0"/>
               <a:t>‹#›</a:t>
             </a:fld>
@@ -515,7 +515,7 @@
     </p:spTree>
     <p:extLst>
       <p:ext uri="{BB962C8B-B14F-4D97-AF65-F5344CB8AC3E}">
-        <p14:creationId xmlns:p14="http://schemas.microsoft.com/office/powerpoint/2010/main" val="711663750"/>
+        <p14:creationId xmlns:p14="http://schemas.microsoft.com/office/powerpoint/2010/main" val="245875613"/>
       </p:ext>
     </p:extLst>
   </p:cSld>
@@ -547,7 +547,7 @@
           <p:cNvPr id="2" name="竖排标题 1">
             <a:extLst>
               <a:ext uri="{FF2B5EF4-FFF2-40B4-BE49-F238E27FC236}">
-                <a16:creationId xmlns:a16="http://schemas.microsoft.com/office/drawing/2014/main" id="{7D02F552-FD21-23F3-4070-086B1E481C8F}"/>
+                <a16:creationId xmlns:a16="http://schemas.microsoft.com/office/drawing/2014/main" id="{4E8B0E6B-0215-B9EC-6A71-DE079719EF86}"/>
               </a:ext>
             </a:extLst>
           </p:cNvPr>
@@ -580,7 +580,7 @@
           <p:cNvPr id="3" name="竖排文字占位符 2">
             <a:extLst>
               <a:ext uri="{FF2B5EF4-FFF2-40B4-BE49-F238E27FC236}">
-                <a16:creationId xmlns:a16="http://schemas.microsoft.com/office/drawing/2014/main" id="{3CB8A25A-2909-E21F-CB57-A66889EED6A7}"/>
+                <a16:creationId xmlns:a16="http://schemas.microsoft.com/office/drawing/2014/main" id="{070129EF-DEE3-ADF1-49C6-2FFF9F07EDA4}"/>
               </a:ext>
             </a:extLst>
           </p:cNvPr>
@@ -642,7 +642,7 @@
           <p:cNvPr id="4" name="日期占位符 3">
             <a:extLst>
               <a:ext uri="{FF2B5EF4-FFF2-40B4-BE49-F238E27FC236}">
-                <a16:creationId xmlns:a16="http://schemas.microsoft.com/office/drawing/2014/main" id="{A799EDC7-94EE-0B04-53ED-67354D19A97E}"/>
+                <a16:creationId xmlns:a16="http://schemas.microsoft.com/office/drawing/2014/main" id="{0E9E08D9-8A6E-CF95-B86B-0F6A1400DC0E}"/>
               </a:ext>
             </a:extLst>
           </p:cNvPr>
@@ -658,7 +658,7 @@
           <a:bodyPr/>
           <a:lstStyle/>
           <a:p>
-            <a:fld id="{62024609-F574-448C-AA57-C77F8569D097}" type="datetimeFigureOut">
+            <a:fld id="{5312230E-7696-4409-90CC-B45F8968F42D}" type="datetimeFigureOut">
               <a:rPr lang="zh-CN" altLang="en-US" smtClean="0"/>
               <a:t>2024/3/10</a:t>
             </a:fld>
@@ -671,7 +671,7 @@
           <p:cNvPr id="5" name="页脚占位符 4">
             <a:extLst>
               <a:ext uri="{FF2B5EF4-FFF2-40B4-BE49-F238E27FC236}">
-                <a16:creationId xmlns:a16="http://schemas.microsoft.com/office/drawing/2014/main" id="{B315C953-9C9A-56EB-EDD1-FA6340E412B4}"/>
+                <a16:creationId xmlns:a16="http://schemas.microsoft.com/office/drawing/2014/main" id="{E5B74C3B-716C-55AE-20B3-1970988BDCA0}"/>
               </a:ext>
             </a:extLst>
           </p:cNvPr>
@@ -696,7 +696,7 @@
           <p:cNvPr id="6" name="灯片编号占位符 5">
             <a:extLst>
               <a:ext uri="{FF2B5EF4-FFF2-40B4-BE49-F238E27FC236}">
-                <a16:creationId xmlns:a16="http://schemas.microsoft.com/office/drawing/2014/main" id="{63EEB547-1091-EB6A-A781-80E7D9607C2F}"/>
+                <a16:creationId xmlns:a16="http://schemas.microsoft.com/office/drawing/2014/main" id="{AF2E2CDE-87CD-9E38-584B-FD7AC6C3C699}"/>
               </a:ext>
             </a:extLst>
           </p:cNvPr>
@@ -712,7 +712,7 @@
           <a:bodyPr/>
           <a:lstStyle/>
           <a:p>
-            <a:fld id="{F81F0EC4-B1BF-4EFB-B07E-1D85548C253B}" type="slidenum">
+            <a:fld id="{656DB192-43F2-4D48-A427-4B59594D3A4D}" type="slidenum">
               <a:rPr lang="zh-CN" altLang="en-US" smtClean="0"/>
               <a:t>‹#›</a:t>
             </a:fld>
@@ -723,7 +723,7 @@
     </p:spTree>
     <p:extLst>
       <p:ext uri="{BB962C8B-B14F-4D97-AF65-F5344CB8AC3E}">
-        <p14:creationId xmlns:p14="http://schemas.microsoft.com/office/powerpoint/2010/main" val="3042953279"/>
+        <p14:creationId xmlns:p14="http://schemas.microsoft.com/office/powerpoint/2010/main" val="1916272621"/>
       </p:ext>
     </p:extLst>
   </p:cSld>
@@ -755,7 +755,7 @@
           <p:cNvPr id="2" name="标题 1">
             <a:extLst>
               <a:ext uri="{FF2B5EF4-FFF2-40B4-BE49-F238E27FC236}">
-                <a16:creationId xmlns:a16="http://schemas.microsoft.com/office/drawing/2014/main" id="{2D10937F-3EAF-8B7E-679E-B0DB1241D2C0}"/>
+                <a16:creationId xmlns:a16="http://schemas.microsoft.com/office/drawing/2014/main" id="{761679BB-59FE-912C-CD37-DAD6114A24F1}"/>
               </a:ext>
             </a:extLst>
           </p:cNvPr>
@@ -783,7 +783,7 @@
           <p:cNvPr id="3" name="内容占位符 2">
             <a:extLst>
               <a:ext uri="{FF2B5EF4-FFF2-40B4-BE49-F238E27FC236}">
-                <a16:creationId xmlns:a16="http://schemas.microsoft.com/office/drawing/2014/main" id="{8852D3F2-7501-E0E7-4987-46209339C634}"/>
+                <a16:creationId xmlns:a16="http://schemas.microsoft.com/office/drawing/2014/main" id="{2067F184-7851-BC7D-28CC-E888A068DFE9}"/>
               </a:ext>
             </a:extLst>
           </p:cNvPr>
@@ -840,7 +840,7 @@
           <p:cNvPr id="4" name="日期占位符 3">
             <a:extLst>
               <a:ext uri="{FF2B5EF4-FFF2-40B4-BE49-F238E27FC236}">
-                <a16:creationId xmlns:a16="http://schemas.microsoft.com/office/drawing/2014/main" id="{1B08E2E5-29E2-16FE-3107-1F2348AD30E7}"/>
+                <a16:creationId xmlns:a16="http://schemas.microsoft.com/office/drawing/2014/main" id="{ACA81C28-F9D3-760E-D498-2EAAC4C9F55E}"/>
               </a:ext>
             </a:extLst>
           </p:cNvPr>
@@ -856,7 +856,7 @@
           <a:bodyPr/>
           <a:lstStyle/>
           <a:p>
-            <a:fld id="{62024609-F574-448C-AA57-C77F8569D097}" type="datetimeFigureOut">
+            <a:fld id="{5312230E-7696-4409-90CC-B45F8968F42D}" type="datetimeFigureOut">
               <a:rPr lang="zh-CN" altLang="en-US" smtClean="0"/>
               <a:t>2024/3/10</a:t>
             </a:fld>
@@ -869,7 +869,7 @@
           <p:cNvPr id="5" name="页脚占位符 4">
             <a:extLst>
               <a:ext uri="{FF2B5EF4-FFF2-40B4-BE49-F238E27FC236}">
-                <a16:creationId xmlns:a16="http://schemas.microsoft.com/office/drawing/2014/main" id="{B3568439-EB8F-F3D9-9E5C-BEC88E6C0182}"/>
+                <a16:creationId xmlns:a16="http://schemas.microsoft.com/office/drawing/2014/main" id="{D9E75EAE-8AB0-0DF3-B59F-B9E3836193CE}"/>
               </a:ext>
             </a:extLst>
           </p:cNvPr>
@@ -894,7 +894,7 @@
           <p:cNvPr id="6" name="灯片编号占位符 5">
             <a:extLst>
               <a:ext uri="{FF2B5EF4-FFF2-40B4-BE49-F238E27FC236}">
-                <a16:creationId xmlns:a16="http://schemas.microsoft.com/office/drawing/2014/main" id="{2FBB087E-77DF-F21C-B6CE-284ED94C3DA6}"/>
+                <a16:creationId xmlns:a16="http://schemas.microsoft.com/office/drawing/2014/main" id="{510753EA-1F5A-7024-8901-A2ECAC3266DA}"/>
               </a:ext>
             </a:extLst>
           </p:cNvPr>
@@ -910,7 +910,7 @@
           <a:bodyPr/>
           <a:lstStyle/>
           <a:p>
-            <a:fld id="{F81F0EC4-B1BF-4EFB-B07E-1D85548C253B}" type="slidenum">
+            <a:fld id="{656DB192-43F2-4D48-A427-4B59594D3A4D}" type="slidenum">
               <a:rPr lang="zh-CN" altLang="en-US" smtClean="0"/>
               <a:t>‹#›</a:t>
             </a:fld>
@@ -921,7 +921,7 @@
     </p:spTree>
     <p:extLst>
       <p:ext uri="{BB962C8B-B14F-4D97-AF65-F5344CB8AC3E}">
-        <p14:creationId xmlns:p14="http://schemas.microsoft.com/office/powerpoint/2010/main" val="848039018"/>
+        <p14:creationId xmlns:p14="http://schemas.microsoft.com/office/powerpoint/2010/main" val="3608914732"/>
       </p:ext>
     </p:extLst>
   </p:cSld>
@@ -953,7 +953,7 @@
           <p:cNvPr id="2" name="标题 1">
             <a:extLst>
               <a:ext uri="{FF2B5EF4-FFF2-40B4-BE49-F238E27FC236}">
-                <a16:creationId xmlns:a16="http://schemas.microsoft.com/office/drawing/2014/main" id="{62A73C90-1D7A-C7D5-3084-23CEF888BCE2}"/>
+                <a16:creationId xmlns:a16="http://schemas.microsoft.com/office/drawing/2014/main" id="{86D87086-A751-0E55-8A55-7A5A4A6CBD2C}"/>
               </a:ext>
             </a:extLst>
           </p:cNvPr>
@@ -990,7 +990,7 @@
           <p:cNvPr id="3" name="文本占位符 2">
             <a:extLst>
               <a:ext uri="{FF2B5EF4-FFF2-40B4-BE49-F238E27FC236}">
-                <a16:creationId xmlns:a16="http://schemas.microsoft.com/office/drawing/2014/main" id="{3D04DDF2-8755-AAB5-AB92-680895903D21}"/>
+                <a16:creationId xmlns:a16="http://schemas.microsoft.com/office/drawing/2014/main" id="{27294988-FD03-058F-E3C6-E93862042507}"/>
               </a:ext>
             </a:extLst>
           </p:cNvPr>
@@ -1115,7 +1115,7 @@
           <p:cNvPr id="4" name="日期占位符 3">
             <a:extLst>
               <a:ext uri="{FF2B5EF4-FFF2-40B4-BE49-F238E27FC236}">
-                <a16:creationId xmlns:a16="http://schemas.microsoft.com/office/drawing/2014/main" id="{EC713EFB-231E-7FB4-9D7B-2B65A7CF14DE}"/>
+                <a16:creationId xmlns:a16="http://schemas.microsoft.com/office/drawing/2014/main" id="{5EDC3A76-5534-A35E-9E72-44E490836527}"/>
               </a:ext>
             </a:extLst>
           </p:cNvPr>
@@ -1131,7 +1131,7 @@
           <a:bodyPr/>
           <a:lstStyle/>
           <a:p>
-            <a:fld id="{62024609-F574-448C-AA57-C77F8569D097}" type="datetimeFigureOut">
+            <a:fld id="{5312230E-7696-4409-90CC-B45F8968F42D}" type="datetimeFigureOut">
               <a:rPr lang="zh-CN" altLang="en-US" smtClean="0"/>
               <a:t>2024/3/10</a:t>
             </a:fld>
@@ -1144,7 +1144,7 @@
           <p:cNvPr id="5" name="页脚占位符 4">
             <a:extLst>
               <a:ext uri="{FF2B5EF4-FFF2-40B4-BE49-F238E27FC236}">
-                <a16:creationId xmlns:a16="http://schemas.microsoft.com/office/drawing/2014/main" id="{D01A453C-F69E-9205-8473-447A7B2077BE}"/>
+                <a16:creationId xmlns:a16="http://schemas.microsoft.com/office/drawing/2014/main" id="{A86F8046-E4C7-58E2-E4B7-4B2DC2D17D42}"/>
               </a:ext>
             </a:extLst>
           </p:cNvPr>
@@ -1169,7 +1169,7 @@
           <p:cNvPr id="6" name="灯片编号占位符 5">
             <a:extLst>
               <a:ext uri="{FF2B5EF4-FFF2-40B4-BE49-F238E27FC236}">
-                <a16:creationId xmlns:a16="http://schemas.microsoft.com/office/drawing/2014/main" id="{61ED591A-1302-B70F-BD64-A7B1851AAFF1}"/>
+                <a16:creationId xmlns:a16="http://schemas.microsoft.com/office/drawing/2014/main" id="{6AAFE60D-6450-4465-2838-847FF995451E}"/>
               </a:ext>
             </a:extLst>
           </p:cNvPr>
@@ -1185,7 +1185,7 @@
           <a:bodyPr/>
           <a:lstStyle/>
           <a:p>
-            <a:fld id="{F81F0EC4-B1BF-4EFB-B07E-1D85548C253B}" type="slidenum">
+            <a:fld id="{656DB192-43F2-4D48-A427-4B59594D3A4D}" type="slidenum">
               <a:rPr lang="zh-CN" altLang="en-US" smtClean="0"/>
               <a:t>‹#›</a:t>
             </a:fld>
@@ -1196,7 +1196,7 @@
     </p:spTree>
     <p:extLst>
       <p:ext uri="{BB962C8B-B14F-4D97-AF65-F5344CB8AC3E}">
-        <p14:creationId xmlns:p14="http://schemas.microsoft.com/office/powerpoint/2010/main" val="2350020574"/>
+        <p14:creationId xmlns:p14="http://schemas.microsoft.com/office/powerpoint/2010/main" val="2830040678"/>
       </p:ext>
     </p:extLst>
   </p:cSld>
@@ -1228,7 +1228,7 @@
           <p:cNvPr id="2" name="标题 1">
             <a:extLst>
               <a:ext uri="{FF2B5EF4-FFF2-40B4-BE49-F238E27FC236}">
-                <a16:creationId xmlns:a16="http://schemas.microsoft.com/office/drawing/2014/main" id="{8D1B43E3-90E6-0926-3BF3-F9C19021A9B2}"/>
+                <a16:creationId xmlns:a16="http://schemas.microsoft.com/office/drawing/2014/main" id="{2509F20A-9FB5-0D8B-7AFC-568790983EE5}"/>
               </a:ext>
             </a:extLst>
           </p:cNvPr>
@@ -1256,7 +1256,7 @@
           <p:cNvPr id="3" name="内容占位符 2">
             <a:extLst>
               <a:ext uri="{FF2B5EF4-FFF2-40B4-BE49-F238E27FC236}">
-                <a16:creationId xmlns:a16="http://schemas.microsoft.com/office/drawing/2014/main" id="{E8BE96D5-E4D3-B856-3485-FEDDD509D45D}"/>
+                <a16:creationId xmlns:a16="http://schemas.microsoft.com/office/drawing/2014/main" id="{33BA2424-2C2F-6AAB-56B7-96C84892B0A1}"/>
               </a:ext>
             </a:extLst>
           </p:cNvPr>
@@ -1318,7 +1318,7 @@
           <p:cNvPr id="4" name="内容占位符 3">
             <a:extLst>
               <a:ext uri="{FF2B5EF4-FFF2-40B4-BE49-F238E27FC236}">
-                <a16:creationId xmlns:a16="http://schemas.microsoft.com/office/drawing/2014/main" id="{9735B4F6-CF1F-D0E6-27FF-13FD9DBBB95F}"/>
+                <a16:creationId xmlns:a16="http://schemas.microsoft.com/office/drawing/2014/main" id="{5C1B09D8-4F91-1C4C-8785-C4A60BB781F1}"/>
               </a:ext>
             </a:extLst>
           </p:cNvPr>
@@ -1380,7 +1380,7 @@
           <p:cNvPr id="5" name="日期占位符 4">
             <a:extLst>
               <a:ext uri="{FF2B5EF4-FFF2-40B4-BE49-F238E27FC236}">
-                <a16:creationId xmlns:a16="http://schemas.microsoft.com/office/drawing/2014/main" id="{D68B32AE-EE30-EB0C-BA4B-E31D34104B84}"/>
+                <a16:creationId xmlns:a16="http://schemas.microsoft.com/office/drawing/2014/main" id="{640F4AD4-3BDE-CA2D-E79A-AB9FD97FB5FA}"/>
               </a:ext>
             </a:extLst>
           </p:cNvPr>
@@ -1396,7 +1396,7 @@
           <a:bodyPr/>
           <a:lstStyle/>
           <a:p>
-            <a:fld id="{62024609-F574-448C-AA57-C77F8569D097}" type="datetimeFigureOut">
+            <a:fld id="{5312230E-7696-4409-90CC-B45F8968F42D}" type="datetimeFigureOut">
               <a:rPr lang="zh-CN" altLang="en-US" smtClean="0"/>
               <a:t>2024/3/10</a:t>
             </a:fld>
@@ -1409,7 +1409,7 @@
           <p:cNvPr id="6" name="页脚占位符 5">
             <a:extLst>
               <a:ext uri="{FF2B5EF4-FFF2-40B4-BE49-F238E27FC236}">
-                <a16:creationId xmlns:a16="http://schemas.microsoft.com/office/drawing/2014/main" id="{0554D0B7-4C0D-2C8F-142D-18CBA09C28F3}"/>
+                <a16:creationId xmlns:a16="http://schemas.microsoft.com/office/drawing/2014/main" id="{3A1D3AEF-A403-E84E-77D1-65AA1333F78F}"/>
               </a:ext>
             </a:extLst>
           </p:cNvPr>
@@ -1434,7 +1434,7 @@
           <p:cNvPr id="7" name="灯片编号占位符 6">
             <a:extLst>
               <a:ext uri="{FF2B5EF4-FFF2-40B4-BE49-F238E27FC236}">
-                <a16:creationId xmlns:a16="http://schemas.microsoft.com/office/drawing/2014/main" id="{B69C0262-178D-9056-47F0-92B95BE13E50}"/>
+                <a16:creationId xmlns:a16="http://schemas.microsoft.com/office/drawing/2014/main" id="{D54ACA29-5BF4-06D6-A0D1-D172530C6BCE}"/>
               </a:ext>
             </a:extLst>
           </p:cNvPr>
@@ -1450,7 +1450,7 @@
           <a:bodyPr/>
           <a:lstStyle/>
           <a:p>
-            <a:fld id="{F81F0EC4-B1BF-4EFB-B07E-1D85548C253B}" type="slidenum">
+            <a:fld id="{656DB192-43F2-4D48-A427-4B59594D3A4D}" type="slidenum">
               <a:rPr lang="zh-CN" altLang="en-US" smtClean="0"/>
               <a:t>‹#›</a:t>
             </a:fld>
@@ -1461,7 +1461,7 @@
     </p:spTree>
     <p:extLst>
       <p:ext uri="{BB962C8B-B14F-4D97-AF65-F5344CB8AC3E}">
-        <p14:creationId xmlns:p14="http://schemas.microsoft.com/office/powerpoint/2010/main" val="752343525"/>
+        <p14:creationId xmlns:p14="http://schemas.microsoft.com/office/powerpoint/2010/main" val="2640038465"/>
       </p:ext>
     </p:extLst>
   </p:cSld>
@@ -1493,7 +1493,7 @@
           <p:cNvPr id="2" name="标题 1">
             <a:extLst>
               <a:ext uri="{FF2B5EF4-FFF2-40B4-BE49-F238E27FC236}">
-                <a16:creationId xmlns:a16="http://schemas.microsoft.com/office/drawing/2014/main" id="{80494192-068A-C399-6672-04E463246A9D}"/>
+                <a16:creationId xmlns:a16="http://schemas.microsoft.com/office/drawing/2014/main" id="{3D47B9E1-114A-8B01-E97F-091449544875}"/>
               </a:ext>
             </a:extLst>
           </p:cNvPr>
@@ -1526,7 +1526,7 @@
           <p:cNvPr id="3" name="文本占位符 2">
             <a:extLst>
               <a:ext uri="{FF2B5EF4-FFF2-40B4-BE49-F238E27FC236}">
-                <a16:creationId xmlns:a16="http://schemas.microsoft.com/office/drawing/2014/main" id="{9612D131-E9AD-7883-BD22-EC1F808B23F2}"/>
+                <a16:creationId xmlns:a16="http://schemas.microsoft.com/office/drawing/2014/main" id="{7D7231F9-1022-0A92-34C0-F2807C38E8F5}"/>
               </a:ext>
             </a:extLst>
           </p:cNvPr>
@@ -1597,7 +1597,7 @@
           <p:cNvPr id="4" name="内容占位符 3">
             <a:extLst>
               <a:ext uri="{FF2B5EF4-FFF2-40B4-BE49-F238E27FC236}">
-                <a16:creationId xmlns:a16="http://schemas.microsoft.com/office/drawing/2014/main" id="{4E7949C1-AB3E-DB71-82F4-BBA3480AA42D}"/>
+                <a16:creationId xmlns:a16="http://schemas.microsoft.com/office/drawing/2014/main" id="{C9D1DED9-8E68-8FF6-799E-D78B828AEF92}"/>
               </a:ext>
             </a:extLst>
           </p:cNvPr>
@@ -1659,7 +1659,7 @@
           <p:cNvPr id="5" name="文本占位符 4">
             <a:extLst>
               <a:ext uri="{FF2B5EF4-FFF2-40B4-BE49-F238E27FC236}">
-                <a16:creationId xmlns:a16="http://schemas.microsoft.com/office/drawing/2014/main" id="{9DE7ED53-1AFA-434A-DDD1-76C95AF0431B}"/>
+                <a16:creationId xmlns:a16="http://schemas.microsoft.com/office/drawing/2014/main" id="{AA8A23E4-F709-02C4-202B-98EAE2A0AF2E}"/>
               </a:ext>
             </a:extLst>
           </p:cNvPr>
@@ -1730,7 +1730,7 @@
           <p:cNvPr id="6" name="内容占位符 5">
             <a:extLst>
               <a:ext uri="{FF2B5EF4-FFF2-40B4-BE49-F238E27FC236}">
-                <a16:creationId xmlns:a16="http://schemas.microsoft.com/office/drawing/2014/main" id="{29BA6D68-36D3-B0CB-7528-ADC21CA0CDB0}"/>
+                <a16:creationId xmlns:a16="http://schemas.microsoft.com/office/drawing/2014/main" id="{76EEEC21-49ED-CAFC-D25E-EBE1B824900A}"/>
               </a:ext>
             </a:extLst>
           </p:cNvPr>
@@ -1792,7 +1792,7 @@
           <p:cNvPr id="7" name="日期占位符 6">
             <a:extLst>
               <a:ext uri="{FF2B5EF4-FFF2-40B4-BE49-F238E27FC236}">
-                <a16:creationId xmlns:a16="http://schemas.microsoft.com/office/drawing/2014/main" id="{67038F96-5EF7-3460-BEF2-4897C9A93781}"/>
+                <a16:creationId xmlns:a16="http://schemas.microsoft.com/office/drawing/2014/main" id="{DD32E6BA-0CB3-E083-56B1-319F3CB5B21F}"/>
               </a:ext>
             </a:extLst>
           </p:cNvPr>
@@ -1808,7 +1808,7 @@
           <a:bodyPr/>
           <a:lstStyle/>
           <a:p>
-            <a:fld id="{62024609-F574-448C-AA57-C77F8569D097}" type="datetimeFigureOut">
+            <a:fld id="{5312230E-7696-4409-90CC-B45F8968F42D}" type="datetimeFigureOut">
               <a:rPr lang="zh-CN" altLang="en-US" smtClean="0"/>
               <a:t>2024/3/10</a:t>
             </a:fld>
@@ -1821,7 +1821,7 @@
           <p:cNvPr id="8" name="页脚占位符 7">
             <a:extLst>
               <a:ext uri="{FF2B5EF4-FFF2-40B4-BE49-F238E27FC236}">
-                <a16:creationId xmlns:a16="http://schemas.microsoft.com/office/drawing/2014/main" id="{4A42BA10-6A60-4F99-329A-F49895F3EBD3}"/>
+                <a16:creationId xmlns:a16="http://schemas.microsoft.com/office/drawing/2014/main" id="{103BA4EB-13A1-46D7-4CE1-E4A8E0467F0D}"/>
               </a:ext>
             </a:extLst>
           </p:cNvPr>
@@ -1846,7 +1846,7 @@
           <p:cNvPr id="9" name="灯片编号占位符 8">
             <a:extLst>
               <a:ext uri="{FF2B5EF4-FFF2-40B4-BE49-F238E27FC236}">
-                <a16:creationId xmlns:a16="http://schemas.microsoft.com/office/drawing/2014/main" id="{B9C86F0A-425A-EA53-8E64-EA377FB69DDF}"/>
+                <a16:creationId xmlns:a16="http://schemas.microsoft.com/office/drawing/2014/main" id="{2AEAD8C4-1AFE-EF75-B39E-051403ED5098}"/>
               </a:ext>
             </a:extLst>
           </p:cNvPr>
@@ -1862,7 +1862,7 @@
           <a:bodyPr/>
           <a:lstStyle/>
           <a:p>
-            <a:fld id="{F81F0EC4-B1BF-4EFB-B07E-1D85548C253B}" type="slidenum">
+            <a:fld id="{656DB192-43F2-4D48-A427-4B59594D3A4D}" type="slidenum">
               <a:rPr lang="zh-CN" altLang="en-US" smtClean="0"/>
               <a:t>‹#›</a:t>
             </a:fld>
@@ -1873,7 +1873,7 @@
     </p:spTree>
     <p:extLst>
       <p:ext uri="{BB962C8B-B14F-4D97-AF65-F5344CB8AC3E}">
-        <p14:creationId xmlns:p14="http://schemas.microsoft.com/office/powerpoint/2010/main" val="3258283643"/>
+        <p14:creationId xmlns:p14="http://schemas.microsoft.com/office/powerpoint/2010/main" val="3364053241"/>
       </p:ext>
     </p:extLst>
   </p:cSld>
@@ -1905,7 +1905,7 @@
           <p:cNvPr id="2" name="标题 1">
             <a:extLst>
               <a:ext uri="{FF2B5EF4-FFF2-40B4-BE49-F238E27FC236}">
-                <a16:creationId xmlns:a16="http://schemas.microsoft.com/office/drawing/2014/main" id="{B1B4BF0E-9DCA-0D03-850F-7F7514563150}"/>
+                <a16:creationId xmlns:a16="http://schemas.microsoft.com/office/drawing/2014/main" id="{944C4652-DC36-AC52-32E7-B122CFA3C913}"/>
               </a:ext>
             </a:extLst>
           </p:cNvPr>
@@ -1933,7 +1933,7 @@
           <p:cNvPr id="3" name="日期占位符 2">
             <a:extLst>
               <a:ext uri="{FF2B5EF4-FFF2-40B4-BE49-F238E27FC236}">
-                <a16:creationId xmlns:a16="http://schemas.microsoft.com/office/drawing/2014/main" id="{FB4FDB31-35CF-4E31-AC97-998AC4642E00}"/>
+                <a16:creationId xmlns:a16="http://schemas.microsoft.com/office/drawing/2014/main" id="{087FEBA1-8CC0-3138-4872-D3BCAE171A52}"/>
               </a:ext>
             </a:extLst>
           </p:cNvPr>
@@ -1949,7 +1949,7 @@
           <a:bodyPr/>
           <a:lstStyle/>
           <a:p>
-            <a:fld id="{62024609-F574-448C-AA57-C77F8569D097}" type="datetimeFigureOut">
+            <a:fld id="{5312230E-7696-4409-90CC-B45F8968F42D}" type="datetimeFigureOut">
               <a:rPr lang="zh-CN" altLang="en-US" smtClean="0"/>
               <a:t>2024/3/10</a:t>
             </a:fld>
@@ -1962,7 +1962,7 @@
           <p:cNvPr id="4" name="页脚占位符 3">
             <a:extLst>
               <a:ext uri="{FF2B5EF4-FFF2-40B4-BE49-F238E27FC236}">
-                <a16:creationId xmlns:a16="http://schemas.microsoft.com/office/drawing/2014/main" id="{EFB64414-B14A-03EA-C8A3-98A23485903E}"/>
+                <a16:creationId xmlns:a16="http://schemas.microsoft.com/office/drawing/2014/main" id="{C58518B5-4DFB-7145-6DE0-CCADBE156643}"/>
               </a:ext>
             </a:extLst>
           </p:cNvPr>
@@ -1987,7 +1987,7 @@
           <p:cNvPr id="5" name="灯片编号占位符 4">
             <a:extLst>
               <a:ext uri="{FF2B5EF4-FFF2-40B4-BE49-F238E27FC236}">
-                <a16:creationId xmlns:a16="http://schemas.microsoft.com/office/drawing/2014/main" id="{555159A6-5AA1-0A57-664B-C0759C305FE0}"/>
+                <a16:creationId xmlns:a16="http://schemas.microsoft.com/office/drawing/2014/main" id="{57DEA14F-1EF2-962A-CCAC-B67AA8547FD1}"/>
               </a:ext>
             </a:extLst>
           </p:cNvPr>
@@ -2003,7 +2003,7 @@
           <a:bodyPr/>
           <a:lstStyle/>
           <a:p>
-            <a:fld id="{F81F0EC4-B1BF-4EFB-B07E-1D85548C253B}" type="slidenum">
+            <a:fld id="{656DB192-43F2-4D48-A427-4B59594D3A4D}" type="slidenum">
               <a:rPr lang="zh-CN" altLang="en-US" smtClean="0"/>
               <a:t>‹#›</a:t>
             </a:fld>
@@ -2014,7 +2014,7 @@
     </p:spTree>
     <p:extLst>
       <p:ext uri="{BB962C8B-B14F-4D97-AF65-F5344CB8AC3E}">
-        <p14:creationId xmlns:p14="http://schemas.microsoft.com/office/powerpoint/2010/main" val="940312815"/>
+        <p14:creationId xmlns:p14="http://schemas.microsoft.com/office/powerpoint/2010/main" val="1550069442"/>
       </p:ext>
     </p:extLst>
   </p:cSld>
@@ -2046,7 +2046,7 @@
           <p:cNvPr id="2" name="日期占位符 1">
             <a:extLst>
               <a:ext uri="{FF2B5EF4-FFF2-40B4-BE49-F238E27FC236}">
-                <a16:creationId xmlns:a16="http://schemas.microsoft.com/office/drawing/2014/main" id="{EEBAA87A-C154-BB5D-1FFD-9D3C8C8D933D}"/>
+                <a16:creationId xmlns:a16="http://schemas.microsoft.com/office/drawing/2014/main" id="{32E8DBC8-7A89-2A5D-29BC-1533937553A9}"/>
               </a:ext>
             </a:extLst>
           </p:cNvPr>
@@ -2062,7 +2062,7 @@
           <a:bodyPr/>
           <a:lstStyle/>
           <a:p>
-            <a:fld id="{62024609-F574-448C-AA57-C77F8569D097}" type="datetimeFigureOut">
+            <a:fld id="{5312230E-7696-4409-90CC-B45F8968F42D}" type="datetimeFigureOut">
               <a:rPr lang="zh-CN" altLang="en-US" smtClean="0"/>
               <a:t>2024/3/10</a:t>
             </a:fld>
@@ -2075,7 +2075,7 @@
           <p:cNvPr id="3" name="页脚占位符 2">
             <a:extLst>
               <a:ext uri="{FF2B5EF4-FFF2-40B4-BE49-F238E27FC236}">
-                <a16:creationId xmlns:a16="http://schemas.microsoft.com/office/drawing/2014/main" id="{FA04970A-3FB4-070B-B900-3BDAFE04EAB4}"/>
+                <a16:creationId xmlns:a16="http://schemas.microsoft.com/office/drawing/2014/main" id="{D5BC9FED-0D3D-2F78-27A7-C33426279F7C}"/>
               </a:ext>
             </a:extLst>
           </p:cNvPr>
@@ -2100,7 +2100,7 @@
           <p:cNvPr id="4" name="灯片编号占位符 3">
             <a:extLst>
               <a:ext uri="{FF2B5EF4-FFF2-40B4-BE49-F238E27FC236}">
-                <a16:creationId xmlns:a16="http://schemas.microsoft.com/office/drawing/2014/main" id="{CDAEE001-734B-A736-64AE-CEE58F059044}"/>
+                <a16:creationId xmlns:a16="http://schemas.microsoft.com/office/drawing/2014/main" id="{187824CB-9760-300E-5A46-C3A179D36346}"/>
               </a:ext>
             </a:extLst>
           </p:cNvPr>
@@ -2116,7 +2116,7 @@
           <a:bodyPr/>
           <a:lstStyle/>
           <a:p>
-            <a:fld id="{F81F0EC4-B1BF-4EFB-B07E-1D85548C253B}" type="slidenum">
+            <a:fld id="{656DB192-43F2-4D48-A427-4B59594D3A4D}" type="slidenum">
               <a:rPr lang="zh-CN" altLang="en-US" smtClean="0"/>
               <a:t>‹#›</a:t>
             </a:fld>
@@ -2127,7 +2127,7 @@
     </p:spTree>
     <p:extLst>
       <p:ext uri="{BB962C8B-B14F-4D97-AF65-F5344CB8AC3E}">
-        <p14:creationId xmlns:p14="http://schemas.microsoft.com/office/powerpoint/2010/main" val="878531958"/>
+        <p14:creationId xmlns:p14="http://schemas.microsoft.com/office/powerpoint/2010/main" val="3168556331"/>
       </p:ext>
     </p:extLst>
   </p:cSld>
@@ -2159,7 +2159,7 @@
           <p:cNvPr id="2" name="标题 1">
             <a:extLst>
               <a:ext uri="{FF2B5EF4-FFF2-40B4-BE49-F238E27FC236}">
-                <a16:creationId xmlns:a16="http://schemas.microsoft.com/office/drawing/2014/main" id="{4FEB8D34-2691-B404-D5AE-ACF8881B0708}"/>
+                <a16:creationId xmlns:a16="http://schemas.microsoft.com/office/drawing/2014/main" id="{CD325E5C-77A7-CC4A-8889-FBA59E38ED65}"/>
               </a:ext>
             </a:extLst>
           </p:cNvPr>
@@ -2196,7 +2196,7 @@
           <p:cNvPr id="3" name="内容占位符 2">
             <a:extLst>
               <a:ext uri="{FF2B5EF4-FFF2-40B4-BE49-F238E27FC236}">
-                <a16:creationId xmlns:a16="http://schemas.microsoft.com/office/drawing/2014/main" id="{C99A3076-BA1A-E1BD-1974-34C848435C1F}"/>
+                <a16:creationId xmlns:a16="http://schemas.microsoft.com/office/drawing/2014/main" id="{39CB07C0-6B4B-55A8-1DBE-42FF0180A69E}"/>
               </a:ext>
             </a:extLst>
           </p:cNvPr>
@@ -2286,7 +2286,7 @@
           <p:cNvPr id="4" name="文本占位符 3">
             <a:extLst>
               <a:ext uri="{FF2B5EF4-FFF2-40B4-BE49-F238E27FC236}">
-                <a16:creationId xmlns:a16="http://schemas.microsoft.com/office/drawing/2014/main" id="{F79A7656-4E37-9BB1-812B-2C710DE1DB90}"/>
+                <a16:creationId xmlns:a16="http://schemas.microsoft.com/office/drawing/2014/main" id="{FD8E11D3-1449-8120-7751-060FCFE10817}"/>
               </a:ext>
             </a:extLst>
           </p:cNvPr>
@@ -2357,7 +2357,7 @@
           <p:cNvPr id="5" name="日期占位符 4">
             <a:extLst>
               <a:ext uri="{FF2B5EF4-FFF2-40B4-BE49-F238E27FC236}">
-                <a16:creationId xmlns:a16="http://schemas.microsoft.com/office/drawing/2014/main" id="{D00871ED-5E12-0D04-D0FB-9A3988862838}"/>
+                <a16:creationId xmlns:a16="http://schemas.microsoft.com/office/drawing/2014/main" id="{997C8FE4-23E1-E762-AA43-7109D294D7BE}"/>
               </a:ext>
             </a:extLst>
           </p:cNvPr>
@@ -2373,7 +2373,7 @@
           <a:bodyPr/>
           <a:lstStyle/>
           <a:p>
-            <a:fld id="{62024609-F574-448C-AA57-C77F8569D097}" type="datetimeFigureOut">
+            <a:fld id="{5312230E-7696-4409-90CC-B45F8968F42D}" type="datetimeFigureOut">
               <a:rPr lang="zh-CN" altLang="en-US" smtClean="0"/>
               <a:t>2024/3/10</a:t>
             </a:fld>
@@ -2386,7 +2386,7 @@
           <p:cNvPr id="6" name="页脚占位符 5">
             <a:extLst>
               <a:ext uri="{FF2B5EF4-FFF2-40B4-BE49-F238E27FC236}">
-                <a16:creationId xmlns:a16="http://schemas.microsoft.com/office/drawing/2014/main" id="{A97B77B2-53F2-6272-62DC-6FA408E336F3}"/>
+                <a16:creationId xmlns:a16="http://schemas.microsoft.com/office/drawing/2014/main" id="{D40A7B9C-A899-72BF-EB58-FEA9D4EF93E4}"/>
               </a:ext>
             </a:extLst>
           </p:cNvPr>
@@ -2411,7 +2411,7 @@
           <p:cNvPr id="7" name="灯片编号占位符 6">
             <a:extLst>
               <a:ext uri="{FF2B5EF4-FFF2-40B4-BE49-F238E27FC236}">
-                <a16:creationId xmlns:a16="http://schemas.microsoft.com/office/drawing/2014/main" id="{B8BF4D20-6B7F-3847-E6D5-DDBDA3626AE0}"/>
+                <a16:creationId xmlns:a16="http://schemas.microsoft.com/office/drawing/2014/main" id="{9BE94358-FFAF-7A60-43FC-611273481657}"/>
               </a:ext>
             </a:extLst>
           </p:cNvPr>
@@ -2427,7 +2427,7 @@
           <a:bodyPr/>
           <a:lstStyle/>
           <a:p>
-            <a:fld id="{F81F0EC4-B1BF-4EFB-B07E-1D85548C253B}" type="slidenum">
+            <a:fld id="{656DB192-43F2-4D48-A427-4B59594D3A4D}" type="slidenum">
               <a:rPr lang="zh-CN" altLang="en-US" smtClean="0"/>
               <a:t>‹#›</a:t>
             </a:fld>
@@ -2438,7 +2438,7 @@
     </p:spTree>
     <p:extLst>
       <p:ext uri="{BB962C8B-B14F-4D97-AF65-F5344CB8AC3E}">
-        <p14:creationId xmlns:p14="http://schemas.microsoft.com/office/powerpoint/2010/main" val="1509702608"/>
+        <p14:creationId xmlns:p14="http://schemas.microsoft.com/office/powerpoint/2010/main" val="1421525585"/>
       </p:ext>
     </p:extLst>
   </p:cSld>
@@ -2470,7 +2470,7 @@
           <p:cNvPr id="2" name="标题 1">
             <a:extLst>
               <a:ext uri="{FF2B5EF4-FFF2-40B4-BE49-F238E27FC236}">
-                <a16:creationId xmlns:a16="http://schemas.microsoft.com/office/drawing/2014/main" id="{77B042FB-BDE4-35F3-2BFE-32107F077E20}"/>
+                <a16:creationId xmlns:a16="http://schemas.microsoft.com/office/drawing/2014/main" id="{DBF533E3-5691-7CC2-021F-B37D1648236F}"/>
               </a:ext>
             </a:extLst>
           </p:cNvPr>
@@ -2507,7 +2507,7 @@
           <p:cNvPr id="3" name="图片占位符 2">
             <a:extLst>
               <a:ext uri="{FF2B5EF4-FFF2-40B4-BE49-F238E27FC236}">
-                <a16:creationId xmlns:a16="http://schemas.microsoft.com/office/drawing/2014/main" id="{74D6AA04-592F-D0B8-43F0-DFA6D18DFB66}"/>
+                <a16:creationId xmlns:a16="http://schemas.microsoft.com/office/drawing/2014/main" id="{C29DE115-A9FD-2235-2708-F0386505316F}"/>
               </a:ext>
             </a:extLst>
           </p:cNvPr>
@@ -2574,7 +2574,7 @@
           <p:cNvPr id="4" name="文本占位符 3">
             <a:extLst>
               <a:ext uri="{FF2B5EF4-FFF2-40B4-BE49-F238E27FC236}">
-                <a16:creationId xmlns:a16="http://schemas.microsoft.com/office/drawing/2014/main" id="{DA153E79-D5AC-2DBD-8BED-13F49664D01E}"/>
+                <a16:creationId xmlns:a16="http://schemas.microsoft.com/office/drawing/2014/main" id="{A61BBAEE-A2D0-B4E6-FF54-298705CF1C42}"/>
               </a:ext>
             </a:extLst>
           </p:cNvPr>
@@ -2645,7 +2645,7 @@
           <p:cNvPr id="5" name="日期占位符 4">
             <a:extLst>
               <a:ext uri="{FF2B5EF4-FFF2-40B4-BE49-F238E27FC236}">
-                <a16:creationId xmlns:a16="http://schemas.microsoft.com/office/drawing/2014/main" id="{01A6D823-9D39-A5F1-4267-C079BC63A30F}"/>
+                <a16:creationId xmlns:a16="http://schemas.microsoft.com/office/drawing/2014/main" id="{E43C9494-5DEC-4F56-6BB0-39D4B72B37DA}"/>
               </a:ext>
             </a:extLst>
           </p:cNvPr>
@@ -2661,7 +2661,7 @@
           <a:bodyPr/>
           <a:lstStyle/>
           <a:p>
-            <a:fld id="{62024609-F574-448C-AA57-C77F8569D097}" type="datetimeFigureOut">
+            <a:fld id="{5312230E-7696-4409-90CC-B45F8968F42D}" type="datetimeFigureOut">
               <a:rPr lang="zh-CN" altLang="en-US" smtClean="0"/>
               <a:t>2024/3/10</a:t>
             </a:fld>
@@ -2674,7 +2674,7 @@
           <p:cNvPr id="6" name="页脚占位符 5">
             <a:extLst>
               <a:ext uri="{FF2B5EF4-FFF2-40B4-BE49-F238E27FC236}">
-                <a16:creationId xmlns:a16="http://schemas.microsoft.com/office/drawing/2014/main" id="{A1E3C67B-B457-CDD3-6B40-FC69E668FF7E}"/>
+                <a16:creationId xmlns:a16="http://schemas.microsoft.com/office/drawing/2014/main" id="{E2F0CDD5-5673-1B54-3807-8486BE4ACC53}"/>
               </a:ext>
             </a:extLst>
           </p:cNvPr>
@@ -2699,7 +2699,7 @@
           <p:cNvPr id="7" name="灯片编号占位符 6">
             <a:extLst>
               <a:ext uri="{FF2B5EF4-FFF2-40B4-BE49-F238E27FC236}">
-                <a16:creationId xmlns:a16="http://schemas.microsoft.com/office/drawing/2014/main" id="{634DBACC-CCAC-8088-B498-9E51E9FFF62A}"/>
+                <a16:creationId xmlns:a16="http://schemas.microsoft.com/office/drawing/2014/main" id="{D94BD3A9-AA56-E562-BA3A-72F4CFCE91C5}"/>
               </a:ext>
             </a:extLst>
           </p:cNvPr>
@@ -2715,7 +2715,7 @@
           <a:bodyPr/>
           <a:lstStyle/>
           <a:p>
-            <a:fld id="{F81F0EC4-B1BF-4EFB-B07E-1D85548C253B}" type="slidenum">
+            <a:fld id="{656DB192-43F2-4D48-A427-4B59594D3A4D}" type="slidenum">
               <a:rPr lang="zh-CN" altLang="en-US" smtClean="0"/>
               <a:t>‹#›</a:t>
             </a:fld>
@@ -2726,7 +2726,7 @@
     </p:spTree>
     <p:extLst>
       <p:ext uri="{BB962C8B-B14F-4D97-AF65-F5344CB8AC3E}">
-        <p14:creationId xmlns:p14="http://schemas.microsoft.com/office/powerpoint/2010/main" val="1573127299"/>
+        <p14:creationId xmlns:p14="http://schemas.microsoft.com/office/powerpoint/2010/main" val="339455202"/>
       </p:ext>
     </p:extLst>
   </p:cSld>
@@ -2763,7 +2763,7 @@
           <p:cNvPr id="2" name="标题占位符 1">
             <a:extLst>
               <a:ext uri="{FF2B5EF4-FFF2-40B4-BE49-F238E27FC236}">
-                <a16:creationId xmlns:a16="http://schemas.microsoft.com/office/drawing/2014/main" id="{A7911BAC-FC39-C24F-1620-96A6D23E2D9C}"/>
+                <a16:creationId xmlns:a16="http://schemas.microsoft.com/office/drawing/2014/main" id="{3E578350-53BB-2AC5-929C-99E6D4B44396}"/>
               </a:ext>
             </a:extLst>
           </p:cNvPr>
@@ -2801,7 +2801,7 @@
           <p:cNvPr id="3" name="文本占位符 2">
             <a:extLst>
               <a:ext uri="{FF2B5EF4-FFF2-40B4-BE49-F238E27FC236}">
-                <a16:creationId xmlns:a16="http://schemas.microsoft.com/office/drawing/2014/main" id="{FEFEF485-AFD8-CFA0-7E66-B92474D87894}"/>
+                <a16:creationId xmlns:a16="http://schemas.microsoft.com/office/drawing/2014/main" id="{122B42EA-DA1E-891D-D5D4-E933EFC76381}"/>
               </a:ext>
             </a:extLst>
           </p:cNvPr>
@@ -2868,7 +2868,7 @@
           <p:cNvPr id="4" name="日期占位符 3">
             <a:extLst>
               <a:ext uri="{FF2B5EF4-FFF2-40B4-BE49-F238E27FC236}">
-                <a16:creationId xmlns:a16="http://schemas.microsoft.com/office/drawing/2014/main" id="{46F726A2-D9B4-4507-56D4-32D5174144C4}"/>
+                <a16:creationId xmlns:a16="http://schemas.microsoft.com/office/drawing/2014/main" id="{3EE136B7-8267-58F8-B964-B12E59FC518E}"/>
               </a:ext>
             </a:extLst>
           </p:cNvPr>
@@ -2902,7 +2902,7 @@
             </a:lvl1pPr>
           </a:lstStyle>
           <a:p>
-            <a:fld id="{62024609-F574-448C-AA57-C77F8569D097}" type="datetimeFigureOut">
+            <a:fld id="{5312230E-7696-4409-90CC-B45F8968F42D}" type="datetimeFigureOut">
               <a:rPr lang="zh-CN" altLang="en-US" smtClean="0"/>
               <a:t>2024/3/10</a:t>
             </a:fld>
@@ -2915,7 +2915,7 @@
           <p:cNvPr id="5" name="页脚占位符 4">
             <a:extLst>
               <a:ext uri="{FF2B5EF4-FFF2-40B4-BE49-F238E27FC236}">
-                <a16:creationId xmlns:a16="http://schemas.microsoft.com/office/drawing/2014/main" id="{E6018D2D-404E-9114-684D-4E17D0F68E19}"/>
+                <a16:creationId xmlns:a16="http://schemas.microsoft.com/office/drawing/2014/main" id="{82222A5F-B5DE-0C8B-81DB-A0651CFEE2F0}"/>
               </a:ext>
             </a:extLst>
           </p:cNvPr>
@@ -2958,7 +2958,7 @@
           <p:cNvPr id="6" name="灯片编号占位符 5">
             <a:extLst>
               <a:ext uri="{FF2B5EF4-FFF2-40B4-BE49-F238E27FC236}">
-                <a16:creationId xmlns:a16="http://schemas.microsoft.com/office/drawing/2014/main" id="{CF276FAC-E67C-291D-FE24-2558512C8CB5}"/>
+                <a16:creationId xmlns:a16="http://schemas.microsoft.com/office/drawing/2014/main" id="{389AE821-409A-BEB3-4A0B-7556491287EA}"/>
               </a:ext>
             </a:extLst>
           </p:cNvPr>
@@ -2992,7 +2992,7 @@
             </a:lvl1pPr>
           </a:lstStyle>
           <a:p>
-            <a:fld id="{F81F0EC4-B1BF-4EFB-B07E-1D85548C253B}" type="slidenum">
+            <a:fld id="{656DB192-43F2-4D48-A427-4B59594D3A4D}" type="slidenum">
               <a:rPr lang="zh-CN" altLang="en-US" smtClean="0"/>
               <a:t>‹#›</a:t>
             </a:fld>
@@ -3003,7 +3003,7 @@
     </p:spTree>
     <p:extLst>
       <p:ext uri="{BB962C8B-B14F-4D97-AF65-F5344CB8AC3E}">
-        <p14:creationId xmlns:p14="http://schemas.microsoft.com/office/powerpoint/2010/main" val="2599955300"/>
+        <p14:creationId xmlns:p14="http://schemas.microsoft.com/office/powerpoint/2010/main" val="1895751405"/>
       </p:ext>
     </p:extLst>
   </p:cSld>
@@ -3323,7 +3323,7 @@
       </p:grpSpPr>
       <p:pic>
         <p:nvPicPr>
-          <p:cNvPr id="399362" name="Picture 2" descr="389"/>
+          <p:cNvPr id="400386" name="Picture 2" descr="390"/>
           <p:cNvPicPr>
             <a:picLocks noChangeAspect="1" noChangeArrowheads="1"/>
           </p:cNvPicPr>
